--- a/Slide_ITSA_Basics/ITSA Basics_36_40.pptx
+++ b/Slide_ITSA_Basics/ITSA Basics_36_40.pptx
@@ -7,15 +7,22 @@
   <p:sldIdLst>
     <p:sldId id="257" r:id="rId2"/>
     <p:sldId id="260" r:id="rId3"/>
-    <p:sldId id="270" r:id="rId4"/>
-    <p:sldId id="261" r:id="rId5"/>
-    <p:sldId id="265" r:id="rId6"/>
-    <p:sldId id="262" r:id="rId7"/>
-    <p:sldId id="259" r:id="rId8"/>
-    <p:sldId id="266" r:id="rId9"/>
-    <p:sldId id="268" r:id="rId10"/>
-    <p:sldId id="267" r:id="rId11"/>
-    <p:sldId id="269" r:id="rId12"/>
+    <p:sldId id="271" r:id="rId4"/>
+    <p:sldId id="270" r:id="rId5"/>
+    <p:sldId id="261" r:id="rId6"/>
+    <p:sldId id="272" r:id="rId7"/>
+    <p:sldId id="265" r:id="rId8"/>
+    <p:sldId id="262" r:id="rId9"/>
+    <p:sldId id="273" r:id="rId10"/>
+    <p:sldId id="274" r:id="rId11"/>
+    <p:sldId id="259" r:id="rId12"/>
+    <p:sldId id="266" r:id="rId13"/>
+    <p:sldId id="275" r:id="rId14"/>
+    <p:sldId id="268" r:id="rId15"/>
+    <p:sldId id="267" r:id="rId16"/>
+    <p:sldId id="276" r:id="rId17"/>
+    <p:sldId id="277" r:id="rId18"/>
+    <p:sldId id="269" r:id="rId19"/>
   </p:sldIdLst>
   <p:sldSz cx="9144000" cy="5715000" type="screen16x10"/>
   <p:notesSz cx="6858000" cy="9144000"/>
@@ -16258,7 +16265,7 @@
           <a:p>
             <a:fld id="{F6FA2B21-3FCD-4721-B95C-427943F61125}" type="datetime1">
               <a:rPr lang="en-US" smtClean="0"/>
-              <a:t>7/1/19</a:t>
+              <a:t>8/9/19</a:t>
             </a:fld>
             <a:endParaRPr lang="en-US"/>
           </a:p>
@@ -16438,7 +16445,7 @@
           <a:p>
             <a:fld id="{F6FA2B21-3FCD-4721-B95C-427943F61125}" type="datetime1">
               <a:rPr lang="en-US" smtClean="0"/>
-              <a:t>7/1/19</a:t>
+              <a:t>8/9/19</a:t>
             </a:fld>
             <a:endParaRPr lang="en-US"/>
           </a:p>
@@ -16619,7 +16626,7 @@
           <a:p>
             <a:fld id="{F6FA2B21-3FCD-4721-B95C-427943F61125}" type="datetime1">
               <a:rPr lang="en-US" smtClean="0"/>
-              <a:t>7/1/19</a:t>
+              <a:t>8/9/19</a:t>
             </a:fld>
             <a:endParaRPr lang="en-US"/>
           </a:p>
@@ -16790,7 +16797,7 @@
           <a:p>
             <a:fld id="{F6FA2B21-3FCD-4721-B95C-427943F61125}" type="datetime1">
               <a:rPr lang="en-US" smtClean="0"/>
-              <a:t>7/1/19</a:t>
+              <a:t>8/9/19</a:t>
             </a:fld>
             <a:endParaRPr lang="en-US"/>
           </a:p>
@@ -17112,7 +17119,7 @@
           <a:p>
             <a:fld id="{F6FA2B21-3FCD-4721-B95C-427943F61125}" type="datetime1">
               <a:rPr lang="en-US" smtClean="0"/>
-              <a:t>7/1/19</a:t>
+              <a:t>8/9/19</a:t>
             </a:fld>
             <a:endParaRPr lang="en-US"/>
           </a:p>
@@ -17573,7 +17580,7 @@
           <a:p>
             <a:fld id="{F6FA2B21-3FCD-4721-B95C-427943F61125}" type="datetime1">
               <a:rPr lang="en-US" smtClean="0"/>
-              <a:t>7/1/19</a:t>
+              <a:t>8/9/19</a:t>
             </a:fld>
             <a:endParaRPr lang="en-US"/>
           </a:p>
@@ -17985,7 +17992,7 @@
           <a:p>
             <a:fld id="{F6FA2B21-3FCD-4721-B95C-427943F61125}" type="datetime1">
               <a:rPr lang="en-US" smtClean="0"/>
-              <a:t>7/1/19</a:t>
+              <a:t>8/9/19</a:t>
             </a:fld>
             <a:endParaRPr lang="en-US"/>
           </a:p>
@@ -18104,7 +18111,7 @@
           <a:p>
             <a:fld id="{F6FA2B21-3FCD-4721-B95C-427943F61125}" type="datetime1">
               <a:rPr lang="en-US" smtClean="0"/>
-              <a:t>7/1/19</a:t>
+              <a:t>8/9/19</a:t>
             </a:fld>
             <a:endParaRPr lang="en-US"/>
           </a:p>
@@ -18223,7 +18230,7 @@
           <a:p>
             <a:fld id="{F6FA2B21-3FCD-4721-B95C-427943F61125}" type="datetime1">
               <a:rPr lang="en-US" smtClean="0"/>
-              <a:t>7/1/19</a:t>
+              <a:t>8/9/19</a:t>
             </a:fld>
             <a:endParaRPr lang="en-US"/>
           </a:p>
@@ -18582,7 +18589,7 @@
           <a:p>
             <a:fld id="{F6FA2B21-3FCD-4721-B95C-427943F61125}" type="datetime1">
               <a:rPr lang="en-US" smtClean="0"/>
-              <a:t>7/1/19</a:t>
+              <a:t>8/9/19</a:t>
             </a:fld>
             <a:endParaRPr lang="en-US"/>
           </a:p>
@@ -19090,7 +19097,7 @@
           <a:p>
             <a:fld id="{F6FA2B21-3FCD-4721-B95C-427943F61125}" type="datetime1">
               <a:rPr lang="en-US" smtClean="0"/>
-              <a:t>7/1/19</a:t>
+              <a:t>8/9/19</a:t>
             </a:fld>
             <a:endParaRPr lang="en-US"/>
           </a:p>
@@ -19446,7 +19453,7 @@
           <a:p>
             <a:fld id="{F6FA2B21-3FCD-4721-B95C-427943F61125}" type="datetime1">
               <a:rPr lang="en-US" smtClean="0"/>
-              <a:t>7/1/19</a:t>
+              <a:t>8/9/19</a:t>
             </a:fld>
             <a:endParaRPr lang="en-US"/>
           </a:p>
@@ -20176,6 +20183,378 @@
 <file path=ppt/slides/slide10.xml><?xml version="1.0" encoding="utf-8"?>
 <p:sld xmlns:a="http://schemas.openxmlformats.org/drawingml/2006/main" xmlns:r="http://schemas.openxmlformats.org/officeDocument/2006/relationships" xmlns:p="http://schemas.openxmlformats.org/presentationml/2006/main">
   <p:cSld>
+    <p:spTree>
+      <p:nvGrpSpPr>
+        <p:cNvPr id="1" name=""/>
+        <p:cNvGrpSpPr/>
+        <p:nvPr/>
+      </p:nvGrpSpPr>
+      <p:grpSpPr>
+        <a:xfrm>
+          <a:off x="0" y="0"/>
+          <a:ext cx="0" cy="0"/>
+          <a:chOff x="0" y="0"/>
+          <a:chExt cx="0" cy="0"/>
+        </a:xfrm>
+      </p:grpSpPr>
+      <p:pic>
+        <p:nvPicPr>
+          <p:cNvPr id="2" name="圖片 1">
+            <a:extLst>
+              <a:ext uri="{FF2B5EF4-FFF2-40B4-BE49-F238E27FC236}">
+                <a16:creationId xmlns:a16="http://schemas.microsoft.com/office/drawing/2014/main" id="{7E5004A4-BA76-214C-B8F3-07CF13E7E87E}"/>
+              </a:ext>
+            </a:extLst>
+          </p:cNvPr>
+          <p:cNvPicPr>
+            <a:picLocks noChangeAspect="1"/>
+          </p:cNvPicPr>
+          <p:nvPr/>
+        </p:nvPicPr>
+        <p:blipFill>
+          <a:blip r:embed="rId2"/>
+          <a:stretch>
+            <a:fillRect/>
+          </a:stretch>
+        </p:blipFill>
+        <p:spPr>
+          <a:xfrm>
+            <a:off x="0" y="1067610"/>
+            <a:ext cx="9144000" cy="3579779"/>
+          </a:xfrm>
+          <a:prstGeom prst="rect">
+            <a:avLst/>
+          </a:prstGeom>
+        </p:spPr>
+      </p:pic>
+    </p:spTree>
+    <p:extLst>
+      <p:ext uri="{BB962C8B-B14F-4D97-AF65-F5344CB8AC3E}">
+        <p14:creationId xmlns:p14="http://schemas.microsoft.com/office/powerpoint/2010/main" val="3719382319"/>
+      </p:ext>
+    </p:extLst>
+  </p:cSld>
+  <p:clrMapOvr>
+    <a:masterClrMapping/>
+  </p:clrMapOvr>
+</p:sld>
+</file>
+
+<file path=ppt/slides/slide11.xml><?xml version="1.0" encoding="utf-8"?>
+<p:sld xmlns:a="http://schemas.openxmlformats.org/drawingml/2006/main" xmlns:r="http://schemas.openxmlformats.org/officeDocument/2006/relationships" xmlns:p="http://schemas.openxmlformats.org/presentationml/2006/main">
+  <p:cSld>
+    <p:spTree>
+      <p:nvGrpSpPr>
+        <p:cNvPr id="1" name=""/>
+        <p:cNvGrpSpPr/>
+        <p:nvPr/>
+      </p:nvGrpSpPr>
+      <p:grpSpPr>
+        <a:xfrm>
+          <a:off x="0" y="0"/>
+          <a:ext cx="0" cy="0"/>
+          <a:chOff x="0" y="0"/>
+          <a:chExt cx="0" cy="0"/>
+        </a:xfrm>
+      </p:grpSpPr>
+      <p:pic>
+        <p:nvPicPr>
+          <p:cNvPr id="6" name="圖片 5">
+            <a:extLst>
+              <a:ext uri="{FF2B5EF4-FFF2-40B4-BE49-F238E27FC236}">
+                <a16:creationId xmlns:a16="http://schemas.microsoft.com/office/drawing/2014/main" id="{71739152-0875-1C43-AD8A-949764B82866}"/>
+              </a:ext>
+            </a:extLst>
+          </p:cNvPr>
+          <p:cNvPicPr>
+            <a:picLocks noChangeAspect="1"/>
+          </p:cNvPicPr>
+          <p:nvPr/>
+        </p:nvPicPr>
+        <p:blipFill>
+          <a:blip r:embed="rId2"/>
+          <a:stretch>
+            <a:fillRect/>
+          </a:stretch>
+        </p:blipFill>
+        <p:spPr>
+          <a:xfrm>
+            <a:off x="568921" y="257674"/>
+            <a:ext cx="8006158" cy="5199652"/>
+          </a:xfrm>
+          <a:prstGeom prst="rect">
+            <a:avLst/>
+          </a:prstGeom>
+          <a:ln>
+            <a:solidFill>
+              <a:schemeClr val="accent1"/>
+            </a:solidFill>
+          </a:ln>
+        </p:spPr>
+      </p:pic>
+    </p:spTree>
+    <p:extLst>
+      <p:ext uri="{BB962C8B-B14F-4D97-AF65-F5344CB8AC3E}">
+        <p14:creationId xmlns:p14="http://schemas.microsoft.com/office/powerpoint/2010/main" val="2823131167"/>
+      </p:ext>
+    </p:extLst>
+  </p:cSld>
+  <p:clrMapOvr>
+    <a:masterClrMapping/>
+  </p:clrMapOvr>
+</p:sld>
+</file>
+
+<file path=ppt/slides/slide12.xml><?xml version="1.0" encoding="utf-8"?>
+<p:sld xmlns:a="http://schemas.openxmlformats.org/drawingml/2006/main" xmlns:r="http://schemas.openxmlformats.org/officeDocument/2006/relationships" xmlns:p="http://schemas.openxmlformats.org/presentationml/2006/main">
+  <p:cSld>
+    <p:bg>
+      <p:bgPr>
+        <a:solidFill>
+          <a:schemeClr val="bg1"/>
+        </a:solidFill>
+        <a:effectLst/>
+      </p:bgPr>
+    </p:bg>
+    <p:spTree>
+      <p:nvGrpSpPr>
+        <p:cNvPr id="1" name=""/>
+        <p:cNvGrpSpPr/>
+        <p:nvPr/>
+      </p:nvGrpSpPr>
+      <p:grpSpPr>
+        <a:xfrm>
+          <a:off x="0" y="0"/>
+          <a:ext cx="0" cy="0"/>
+          <a:chOff x="0" y="0"/>
+          <a:chExt cx="0" cy="0"/>
+        </a:xfrm>
+      </p:grpSpPr>
+      <p:sp>
+        <p:nvSpPr>
+          <p:cNvPr id="2" name="標題 1">
+            <a:extLst>
+              <a:ext uri="{FF2B5EF4-FFF2-40B4-BE49-F238E27FC236}">
+                <a16:creationId xmlns:a16="http://schemas.microsoft.com/office/drawing/2014/main" id="{8C2840B5-9697-D44A-8CEC-C50B447D4D01}"/>
+              </a:ext>
+            </a:extLst>
+          </p:cNvPr>
+          <p:cNvSpPr>
+            <a:spLocks noGrp="1"/>
+          </p:cNvSpPr>
+          <p:nvPr>
+            <p:ph type="title"/>
+          </p:nvPr>
+        </p:nvSpPr>
+        <p:spPr>
+          <a:xfrm>
+            <a:off x="6359833" y="765573"/>
+            <a:ext cx="2284555" cy="3883033"/>
+          </a:xfrm>
+          <a:ln>
+            <a:noFill/>
+          </a:ln>
+        </p:spPr>
+        <p:txBody>
+          <a:bodyPr>
+            <a:normAutofit/>
+          </a:bodyPr>
+          <a:lstStyle/>
+          <a:p>
+            <a:r>
+              <a:rPr lang="zh-TW" altLang="en-US" sz="2400" b="1" dirty="0"/>
+              <a:t>題目</a:t>
+            </a:r>
+            <a:r>
+              <a:rPr lang="en-US" altLang="zh-TW" sz="2400" b="1" dirty="0"/>
+              <a:t>39. </a:t>
+            </a:r>
+            <a:r>
+              <a:rPr lang="zh-TW" altLang="en-US" sz="2400" b="1" dirty="0"/>
+              <a:t>考試測驗</a:t>
+            </a:r>
+            <a:br>
+              <a:rPr lang="zh-TW" altLang="en-US" sz="2400" b="1" dirty="0"/>
+            </a:br>
+            <a:br>
+              <a:rPr lang="zh-TW" altLang="en-US" sz="2400" b="1" dirty="0"/>
+            </a:br>
+            <a:endParaRPr lang="zh-TW" altLang="en-US" sz="2400" b="1" dirty="0"/>
+          </a:p>
+        </p:txBody>
+      </p:sp>
+      <p:graphicFrame>
+        <p:nvGraphicFramePr>
+          <p:cNvPr id="5" name="內容版面配置區 2">
+            <a:extLst>
+              <a:ext uri="{FF2B5EF4-FFF2-40B4-BE49-F238E27FC236}">
+                <a16:creationId xmlns:a16="http://schemas.microsoft.com/office/drawing/2014/main" id="{B79F1320-04D0-4EA3-96DD-9006D69E9172}"/>
+              </a:ext>
+            </a:extLst>
+          </p:cNvPr>
+          <p:cNvGraphicFramePr>
+            <a:graphicFrameLocks noGrp="1"/>
+          </p:cNvGraphicFramePr>
+          <p:nvPr>
+            <p:ph idx="1"/>
+            <p:extLst>
+              <p:ext uri="{D42A27DB-BD31-4B8C-83A1-F6EECF244321}">
+                <p14:modId xmlns:p14="http://schemas.microsoft.com/office/powerpoint/2010/main" val="3184594731"/>
+              </p:ext>
+            </p:extLst>
+          </p:nvPr>
+        </p:nvGraphicFramePr>
+        <p:xfrm>
+          <a:off x="466725" y="765572"/>
+          <a:ext cx="4929188" cy="4191000"/>
+        </p:xfrm>
+        <a:graphic>
+          <a:graphicData uri="http://schemas.openxmlformats.org/drawingml/2006/diagram">
+            <dgm:relIds xmlns:dgm="http://schemas.openxmlformats.org/drawingml/2006/diagram" xmlns:r="http://schemas.openxmlformats.org/officeDocument/2006/relationships" r:dm="rId2" r:lo="rId3" r:qs="rId4" r:cs="rId5"/>
+          </a:graphicData>
+        </a:graphic>
+      </p:graphicFrame>
+    </p:spTree>
+    <p:extLst>
+      <p:ext uri="{BB962C8B-B14F-4D97-AF65-F5344CB8AC3E}">
+        <p14:creationId xmlns:p14="http://schemas.microsoft.com/office/powerpoint/2010/main" val="2402312671"/>
+      </p:ext>
+    </p:extLst>
+  </p:cSld>
+  <p:clrMapOvr>
+    <a:masterClrMapping/>
+  </p:clrMapOvr>
+</p:sld>
+</file>
+
+<file path=ppt/slides/slide13.xml><?xml version="1.0" encoding="utf-8"?>
+<p:sld xmlns:a="http://schemas.openxmlformats.org/drawingml/2006/main" xmlns:r="http://schemas.openxmlformats.org/officeDocument/2006/relationships" xmlns:p="http://schemas.openxmlformats.org/presentationml/2006/main">
+  <p:cSld>
+    <p:spTree>
+      <p:nvGrpSpPr>
+        <p:cNvPr id="1" name=""/>
+        <p:cNvGrpSpPr/>
+        <p:nvPr/>
+      </p:nvGrpSpPr>
+      <p:grpSpPr>
+        <a:xfrm>
+          <a:off x="0" y="0"/>
+          <a:ext cx="0" cy="0"/>
+          <a:chOff x="0" y="0"/>
+          <a:chExt cx="0" cy="0"/>
+        </a:xfrm>
+      </p:grpSpPr>
+      <p:pic>
+        <p:nvPicPr>
+          <p:cNvPr id="4" name="圖片 3">
+            <a:extLst>
+              <a:ext uri="{FF2B5EF4-FFF2-40B4-BE49-F238E27FC236}">
+                <a16:creationId xmlns:a16="http://schemas.microsoft.com/office/drawing/2014/main" id="{77DFA1BC-544D-0A4A-B970-57D425A01D30}"/>
+              </a:ext>
+            </a:extLst>
+          </p:cNvPr>
+          <p:cNvPicPr>
+            <a:picLocks noChangeAspect="1"/>
+          </p:cNvPicPr>
+          <p:nvPr/>
+        </p:nvPicPr>
+        <p:blipFill>
+          <a:blip r:embed="rId2"/>
+          <a:stretch>
+            <a:fillRect/>
+          </a:stretch>
+        </p:blipFill>
+        <p:spPr>
+          <a:xfrm>
+            <a:off x="120440" y="0"/>
+            <a:ext cx="8903120" cy="5715000"/>
+          </a:xfrm>
+          <a:prstGeom prst="rect">
+            <a:avLst/>
+          </a:prstGeom>
+        </p:spPr>
+      </p:pic>
+    </p:spTree>
+    <p:extLst>
+      <p:ext uri="{BB962C8B-B14F-4D97-AF65-F5344CB8AC3E}">
+        <p14:creationId xmlns:p14="http://schemas.microsoft.com/office/powerpoint/2010/main" val="723634482"/>
+      </p:ext>
+    </p:extLst>
+  </p:cSld>
+  <p:clrMapOvr>
+    <a:masterClrMapping/>
+  </p:clrMapOvr>
+</p:sld>
+</file>
+
+<file path=ppt/slides/slide14.xml><?xml version="1.0" encoding="utf-8"?>
+<p:sld xmlns:a="http://schemas.openxmlformats.org/drawingml/2006/main" xmlns:r="http://schemas.openxmlformats.org/officeDocument/2006/relationships" xmlns:p="http://schemas.openxmlformats.org/presentationml/2006/main">
+  <p:cSld>
+    <p:spTree>
+      <p:nvGrpSpPr>
+        <p:cNvPr id="1" name=""/>
+        <p:cNvGrpSpPr/>
+        <p:nvPr/>
+      </p:nvGrpSpPr>
+      <p:grpSpPr>
+        <a:xfrm>
+          <a:off x="0" y="0"/>
+          <a:ext cx="0" cy="0"/>
+          <a:chOff x="0" y="0"/>
+          <a:chExt cx="0" cy="0"/>
+        </a:xfrm>
+      </p:grpSpPr>
+      <p:pic>
+        <p:nvPicPr>
+          <p:cNvPr id="11" name="圖片 10">
+            <a:extLst>
+              <a:ext uri="{FF2B5EF4-FFF2-40B4-BE49-F238E27FC236}">
+                <a16:creationId xmlns:a16="http://schemas.microsoft.com/office/drawing/2014/main" id="{2AEA7BF9-3B65-8947-B3DA-ADD5F827EE18}"/>
+              </a:ext>
+            </a:extLst>
+          </p:cNvPr>
+          <p:cNvPicPr>
+            <a:picLocks noChangeAspect="1"/>
+          </p:cNvPicPr>
+          <p:nvPr/>
+        </p:nvPicPr>
+        <p:blipFill>
+          <a:blip r:embed="rId2"/>
+          <a:stretch>
+            <a:fillRect/>
+          </a:stretch>
+        </p:blipFill>
+        <p:spPr>
+          <a:xfrm>
+            <a:off x="1750282" y="0"/>
+            <a:ext cx="5643435" cy="5715000"/>
+          </a:xfrm>
+          <a:prstGeom prst="rect">
+            <a:avLst/>
+          </a:prstGeom>
+          <a:ln>
+            <a:solidFill>
+              <a:schemeClr val="accent1"/>
+            </a:solidFill>
+          </a:ln>
+        </p:spPr>
+      </p:pic>
+    </p:spTree>
+    <p:extLst>
+      <p:ext uri="{BB962C8B-B14F-4D97-AF65-F5344CB8AC3E}">
+        <p14:creationId xmlns:p14="http://schemas.microsoft.com/office/powerpoint/2010/main" val="3355254503"/>
+      </p:ext>
+    </p:extLst>
+  </p:cSld>
+  <p:clrMapOvr>
+    <a:masterClrMapping/>
+  </p:clrMapOvr>
+</p:sld>
+</file>
+
+<file path=ppt/slides/slide15.xml><?xml version="1.0" encoding="utf-8"?>
+<p:sld xmlns:a="http://schemas.openxmlformats.org/drawingml/2006/main" xmlns:r="http://schemas.openxmlformats.org/officeDocument/2006/relationships" xmlns:p="http://schemas.openxmlformats.org/presentationml/2006/main">
+  <p:cSld>
     <p:bg>
       <p:bgPr>
         <a:solidFill>
@@ -20292,7 +20671,127 @@
 </p:sld>
 </file>
 
-<file path=ppt/slides/slide11.xml><?xml version="1.0" encoding="utf-8"?>
+<file path=ppt/slides/slide16.xml><?xml version="1.0" encoding="utf-8"?>
+<p:sld xmlns:a="http://schemas.openxmlformats.org/drawingml/2006/main" xmlns:r="http://schemas.openxmlformats.org/officeDocument/2006/relationships" xmlns:p="http://schemas.openxmlformats.org/presentationml/2006/main">
+  <p:cSld>
+    <p:spTree>
+      <p:nvGrpSpPr>
+        <p:cNvPr id="1" name=""/>
+        <p:cNvGrpSpPr/>
+        <p:nvPr/>
+      </p:nvGrpSpPr>
+      <p:grpSpPr>
+        <a:xfrm>
+          <a:off x="0" y="0"/>
+          <a:ext cx="0" cy="0"/>
+          <a:chOff x="0" y="0"/>
+          <a:chExt cx="0" cy="0"/>
+        </a:xfrm>
+      </p:grpSpPr>
+      <p:pic>
+        <p:nvPicPr>
+          <p:cNvPr id="4" name="圖片 3">
+            <a:extLst>
+              <a:ext uri="{FF2B5EF4-FFF2-40B4-BE49-F238E27FC236}">
+                <a16:creationId xmlns:a16="http://schemas.microsoft.com/office/drawing/2014/main" id="{0DF9F168-3393-2C42-A95C-15872624D99B}"/>
+              </a:ext>
+            </a:extLst>
+          </p:cNvPr>
+          <p:cNvPicPr>
+            <a:picLocks noChangeAspect="1"/>
+          </p:cNvPicPr>
+          <p:nvPr/>
+        </p:nvPicPr>
+        <p:blipFill>
+          <a:blip r:embed="rId2"/>
+          <a:stretch>
+            <a:fillRect/>
+          </a:stretch>
+        </p:blipFill>
+        <p:spPr>
+          <a:xfrm>
+            <a:off x="0" y="688420"/>
+            <a:ext cx="9144000" cy="4338159"/>
+          </a:xfrm>
+          <a:prstGeom prst="rect">
+            <a:avLst/>
+          </a:prstGeom>
+        </p:spPr>
+      </p:pic>
+    </p:spTree>
+    <p:extLst>
+      <p:ext uri="{BB962C8B-B14F-4D97-AF65-F5344CB8AC3E}">
+        <p14:creationId xmlns:p14="http://schemas.microsoft.com/office/powerpoint/2010/main" val="766827548"/>
+      </p:ext>
+    </p:extLst>
+  </p:cSld>
+  <p:clrMapOvr>
+    <a:masterClrMapping/>
+  </p:clrMapOvr>
+</p:sld>
+</file>
+
+<file path=ppt/slides/slide17.xml><?xml version="1.0" encoding="utf-8"?>
+<p:sld xmlns:a="http://schemas.openxmlformats.org/drawingml/2006/main" xmlns:r="http://schemas.openxmlformats.org/officeDocument/2006/relationships" xmlns:p="http://schemas.openxmlformats.org/presentationml/2006/main">
+  <p:cSld>
+    <p:spTree>
+      <p:nvGrpSpPr>
+        <p:cNvPr id="1" name=""/>
+        <p:cNvGrpSpPr/>
+        <p:nvPr/>
+      </p:nvGrpSpPr>
+      <p:grpSpPr>
+        <a:xfrm>
+          <a:off x="0" y="0"/>
+          <a:ext cx="0" cy="0"/>
+          <a:chOff x="0" y="0"/>
+          <a:chExt cx="0" cy="0"/>
+        </a:xfrm>
+      </p:grpSpPr>
+      <p:pic>
+        <p:nvPicPr>
+          <p:cNvPr id="2" name="圖片 1">
+            <a:extLst>
+              <a:ext uri="{FF2B5EF4-FFF2-40B4-BE49-F238E27FC236}">
+                <a16:creationId xmlns:a16="http://schemas.microsoft.com/office/drawing/2014/main" id="{B1389819-5581-9F45-A222-8DB318E59771}"/>
+              </a:ext>
+            </a:extLst>
+          </p:cNvPr>
+          <p:cNvPicPr>
+            <a:picLocks noChangeAspect="1"/>
+          </p:cNvPicPr>
+          <p:nvPr/>
+        </p:nvPicPr>
+        <p:blipFill>
+          <a:blip r:embed="rId2"/>
+          <a:stretch>
+            <a:fillRect/>
+          </a:stretch>
+        </p:blipFill>
+        <p:spPr>
+          <a:xfrm>
+            <a:off x="0" y="1600068"/>
+            <a:ext cx="9144000" cy="2514863"/>
+          </a:xfrm>
+          <a:prstGeom prst="rect">
+            <a:avLst/>
+          </a:prstGeom>
+        </p:spPr>
+      </p:pic>
+    </p:spTree>
+    <p:extLst>
+      <p:ext uri="{BB962C8B-B14F-4D97-AF65-F5344CB8AC3E}">
+        <p14:creationId xmlns:p14="http://schemas.microsoft.com/office/powerpoint/2010/main" val="3647194258"/>
+      </p:ext>
+    </p:extLst>
+  </p:cSld>
+  <p:clrMapOvr>
+    <a:masterClrMapping/>
+  </p:clrMapOvr>
+</p:sld>
+</file>
+
+<file path=ppt/slides/slide18.xml><?xml version="1.0" encoding="utf-8"?>
 <p:sld xmlns:a="http://schemas.openxmlformats.org/drawingml/2006/main" xmlns:r="http://schemas.openxmlformats.org/officeDocument/2006/relationships" xmlns:p="http://schemas.openxmlformats.org/presentationml/2006/main">
   <p:cSld>
     <p:spTree>
@@ -20537,6 +21036,66 @@
       </p:grpSpPr>
       <p:pic>
         <p:nvPicPr>
+          <p:cNvPr id="4" name="圖片 3">
+            <a:extLst>
+              <a:ext uri="{FF2B5EF4-FFF2-40B4-BE49-F238E27FC236}">
+                <a16:creationId xmlns:a16="http://schemas.microsoft.com/office/drawing/2014/main" id="{C9BFC2FC-9920-474C-8F8E-5C4B0F54E6A7}"/>
+              </a:ext>
+            </a:extLst>
+          </p:cNvPr>
+          <p:cNvPicPr>
+            <a:picLocks noChangeAspect="1"/>
+          </p:cNvPicPr>
+          <p:nvPr/>
+        </p:nvPicPr>
+        <p:blipFill>
+          <a:blip r:embed="rId2"/>
+          <a:stretch>
+            <a:fillRect/>
+          </a:stretch>
+        </p:blipFill>
+        <p:spPr>
+          <a:xfrm>
+            <a:off x="0" y="858422"/>
+            <a:ext cx="9144000" cy="3998156"/>
+          </a:xfrm>
+          <a:prstGeom prst="rect">
+            <a:avLst/>
+          </a:prstGeom>
+        </p:spPr>
+      </p:pic>
+    </p:spTree>
+    <p:extLst>
+      <p:ext uri="{BB962C8B-B14F-4D97-AF65-F5344CB8AC3E}">
+        <p14:creationId xmlns:p14="http://schemas.microsoft.com/office/powerpoint/2010/main" val="3412112099"/>
+      </p:ext>
+    </p:extLst>
+  </p:cSld>
+  <p:clrMapOvr>
+    <a:masterClrMapping/>
+  </p:clrMapOvr>
+</p:sld>
+</file>
+
+<file path=ppt/slides/slide4.xml><?xml version="1.0" encoding="utf-8"?>
+<p:sld xmlns:a="http://schemas.openxmlformats.org/drawingml/2006/main" xmlns:r="http://schemas.openxmlformats.org/officeDocument/2006/relationships" xmlns:p="http://schemas.openxmlformats.org/presentationml/2006/main">
+  <p:cSld>
+    <p:spTree>
+      <p:nvGrpSpPr>
+        <p:cNvPr id="1" name=""/>
+        <p:cNvGrpSpPr/>
+        <p:nvPr/>
+      </p:nvGrpSpPr>
+      <p:grpSpPr>
+        <a:xfrm>
+          <a:off x="0" y="0"/>
+          <a:ext cx="0" cy="0"/>
+          <a:chOff x="0" y="0"/>
+          <a:chExt cx="0" cy="0"/>
+        </a:xfrm>
+      </p:grpSpPr>
+      <p:pic>
+        <p:nvPicPr>
           <p:cNvPr id="11" name="圖片 10">
             <a:extLst>
               <a:ext uri="{FF2B5EF4-FFF2-40B4-BE49-F238E27FC236}">
@@ -20557,7 +21116,7 @@
         </p:blipFill>
         <p:spPr>
           <a:xfrm>
-            <a:off x="380288" y="174075"/>
+            <a:off x="380288" y="1748431"/>
             <a:ext cx="8383424" cy="2218138"/>
           </a:xfrm>
           <a:prstGeom prst="rect">
@@ -20583,7 +21142,7 @@
 </p:sld>
 </file>
 
-<file path=ppt/slides/slide4.xml><?xml version="1.0" encoding="utf-8"?>
+<file path=ppt/slides/slide5.xml><?xml version="1.0" encoding="utf-8"?>
 <p:sld xmlns:a="http://schemas.openxmlformats.org/drawingml/2006/main" xmlns:r="http://schemas.openxmlformats.org/officeDocument/2006/relationships" xmlns:p="http://schemas.openxmlformats.org/presentationml/2006/main">
   <p:cSld>
     <p:bg>
@@ -20698,7 +21257,67 @@
 </p:sld>
 </file>
 
-<file path=ppt/slides/slide5.xml><?xml version="1.0" encoding="utf-8"?>
+<file path=ppt/slides/slide6.xml><?xml version="1.0" encoding="utf-8"?>
+<p:sld xmlns:a="http://schemas.openxmlformats.org/drawingml/2006/main" xmlns:r="http://schemas.openxmlformats.org/officeDocument/2006/relationships" xmlns:p="http://schemas.openxmlformats.org/presentationml/2006/main">
+  <p:cSld>
+    <p:spTree>
+      <p:nvGrpSpPr>
+        <p:cNvPr id="1" name=""/>
+        <p:cNvGrpSpPr/>
+        <p:nvPr/>
+      </p:nvGrpSpPr>
+      <p:grpSpPr>
+        <a:xfrm>
+          <a:off x="0" y="0"/>
+          <a:ext cx="0" cy="0"/>
+          <a:chOff x="0" y="0"/>
+          <a:chExt cx="0" cy="0"/>
+        </a:xfrm>
+      </p:grpSpPr>
+      <p:pic>
+        <p:nvPicPr>
+          <p:cNvPr id="4" name="圖片 3">
+            <a:extLst>
+              <a:ext uri="{FF2B5EF4-FFF2-40B4-BE49-F238E27FC236}">
+                <a16:creationId xmlns:a16="http://schemas.microsoft.com/office/drawing/2014/main" id="{706AF8CD-0BCF-3648-8268-A9FE64A8C4FE}"/>
+              </a:ext>
+            </a:extLst>
+          </p:cNvPr>
+          <p:cNvPicPr>
+            <a:picLocks noChangeAspect="1"/>
+          </p:cNvPicPr>
+          <p:nvPr/>
+        </p:nvPicPr>
+        <p:blipFill>
+          <a:blip r:embed="rId2"/>
+          <a:stretch>
+            <a:fillRect/>
+          </a:stretch>
+        </p:blipFill>
+        <p:spPr>
+          <a:xfrm>
+            <a:off x="0" y="73893"/>
+            <a:ext cx="9144000" cy="5567214"/>
+          </a:xfrm>
+          <a:prstGeom prst="rect">
+            <a:avLst/>
+          </a:prstGeom>
+        </p:spPr>
+      </p:pic>
+    </p:spTree>
+    <p:extLst>
+      <p:ext uri="{BB962C8B-B14F-4D97-AF65-F5344CB8AC3E}">
+        <p14:creationId xmlns:p14="http://schemas.microsoft.com/office/powerpoint/2010/main" val="2305217908"/>
+      </p:ext>
+    </p:extLst>
+  </p:cSld>
+  <p:clrMapOvr>
+    <a:masterClrMapping/>
+  </p:clrMapOvr>
+</p:sld>
+</file>
+
+<file path=ppt/slides/slide7.xml><?xml version="1.0" encoding="utf-8"?>
 <p:sld xmlns:a="http://schemas.openxmlformats.org/drawingml/2006/main" xmlns:r="http://schemas.openxmlformats.org/officeDocument/2006/relationships" xmlns:p="http://schemas.openxmlformats.org/presentationml/2006/main">
   <p:cSld>
     <p:spTree>
@@ -20737,7 +21356,7 @@
         </p:blipFill>
         <p:spPr>
           <a:xfrm>
-            <a:off x="420253" y="0"/>
+            <a:off x="2206324" y="0"/>
             <a:ext cx="4731351" cy="5715000"/>
           </a:xfrm>
           <a:prstGeom prst="rect">
@@ -20763,7 +21382,7 @@
 </p:sld>
 </file>
 
-<file path=ppt/slides/slide6.xml><?xml version="1.0" encoding="utf-8"?>
+<file path=ppt/slides/slide8.xml><?xml version="1.0" encoding="utf-8"?>
 <p:sld xmlns:a="http://schemas.openxmlformats.org/drawingml/2006/main" xmlns:r="http://schemas.openxmlformats.org/officeDocument/2006/relationships" xmlns:p="http://schemas.openxmlformats.org/presentationml/2006/main">
   <p:cSld>
     <p:bg>
@@ -20878,193 +21497,6 @@
 </p:sld>
 </file>
 
-<file path=ppt/slides/slide7.xml><?xml version="1.0" encoding="utf-8"?>
-<p:sld xmlns:a="http://schemas.openxmlformats.org/drawingml/2006/main" xmlns:r="http://schemas.openxmlformats.org/officeDocument/2006/relationships" xmlns:p="http://schemas.openxmlformats.org/presentationml/2006/main">
-  <p:cSld>
-    <p:spTree>
-      <p:nvGrpSpPr>
-        <p:cNvPr id="1" name=""/>
-        <p:cNvGrpSpPr/>
-        <p:nvPr/>
-      </p:nvGrpSpPr>
-      <p:grpSpPr>
-        <a:xfrm>
-          <a:off x="0" y="0"/>
-          <a:ext cx="0" cy="0"/>
-          <a:chOff x="0" y="0"/>
-          <a:chExt cx="0" cy="0"/>
-        </a:xfrm>
-      </p:grpSpPr>
-      <p:pic>
-        <p:nvPicPr>
-          <p:cNvPr id="6" name="圖片 5">
-            <a:extLst>
-              <a:ext uri="{FF2B5EF4-FFF2-40B4-BE49-F238E27FC236}">
-                <a16:creationId xmlns:a16="http://schemas.microsoft.com/office/drawing/2014/main" id="{71739152-0875-1C43-AD8A-949764B82866}"/>
-              </a:ext>
-            </a:extLst>
-          </p:cNvPr>
-          <p:cNvPicPr>
-            <a:picLocks noChangeAspect="1"/>
-          </p:cNvPicPr>
-          <p:nvPr/>
-        </p:nvPicPr>
-        <p:blipFill>
-          <a:blip r:embed="rId2"/>
-          <a:stretch>
-            <a:fillRect/>
-          </a:stretch>
-        </p:blipFill>
-        <p:spPr>
-          <a:xfrm>
-            <a:off x="172168" y="257674"/>
-            <a:ext cx="8006158" cy="5199652"/>
-          </a:xfrm>
-          <a:prstGeom prst="rect">
-            <a:avLst/>
-          </a:prstGeom>
-          <a:ln>
-            <a:solidFill>
-              <a:schemeClr val="accent1"/>
-            </a:solidFill>
-          </a:ln>
-        </p:spPr>
-      </p:pic>
-    </p:spTree>
-    <p:extLst>
-      <p:ext uri="{BB962C8B-B14F-4D97-AF65-F5344CB8AC3E}">
-        <p14:creationId xmlns:p14="http://schemas.microsoft.com/office/powerpoint/2010/main" val="2823131167"/>
-      </p:ext>
-    </p:extLst>
-  </p:cSld>
-  <p:clrMapOvr>
-    <a:masterClrMapping/>
-  </p:clrMapOvr>
-</p:sld>
-</file>
-
-<file path=ppt/slides/slide8.xml><?xml version="1.0" encoding="utf-8"?>
-<p:sld xmlns:a="http://schemas.openxmlformats.org/drawingml/2006/main" xmlns:r="http://schemas.openxmlformats.org/officeDocument/2006/relationships" xmlns:p="http://schemas.openxmlformats.org/presentationml/2006/main">
-  <p:cSld>
-    <p:bg>
-      <p:bgPr>
-        <a:solidFill>
-          <a:schemeClr val="bg1"/>
-        </a:solidFill>
-        <a:effectLst/>
-      </p:bgPr>
-    </p:bg>
-    <p:spTree>
-      <p:nvGrpSpPr>
-        <p:cNvPr id="1" name=""/>
-        <p:cNvGrpSpPr/>
-        <p:nvPr/>
-      </p:nvGrpSpPr>
-      <p:grpSpPr>
-        <a:xfrm>
-          <a:off x="0" y="0"/>
-          <a:ext cx="0" cy="0"/>
-          <a:chOff x="0" y="0"/>
-          <a:chExt cx="0" cy="0"/>
-        </a:xfrm>
-      </p:grpSpPr>
-      <p:sp>
-        <p:nvSpPr>
-          <p:cNvPr id="2" name="標題 1">
-            <a:extLst>
-              <a:ext uri="{FF2B5EF4-FFF2-40B4-BE49-F238E27FC236}">
-                <a16:creationId xmlns:a16="http://schemas.microsoft.com/office/drawing/2014/main" id="{8C2840B5-9697-D44A-8CEC-C50B447D4D01}"/>
-              </a:ext>
-            </a:extLst>
-          </p:cNvPr>
-          <p:cNvSpPr>
-            <a:spLocks noGrp="1"/>
-          </p:cNvSpPr>
-          <p:nvPr>
-            <p:ph type="title"/>
-          </p:nvPr>
-        </p:nvSpPr>
-        <p:spPr>
-          <a:xfrm>
-            <a:off x="6359833" y="765573"/>
-            <a:ext cx="2284555" cy="3883033"/>
-          </a:xfrm>
-          <a:ln>
-            <a:noFill/>
-          </a:ln>
-        </p:spPr>
-        <p:txBody>
-          <a:bodyPr>
-            <a:normAutofit/>
-          </a:bodyPr>
-          <a:lstStyle/>
-          <a:p>
-            <a:r>
-              <a:rPr lang="zh-TW" altLang="en-US" sz="2400" b="1" dirty="0"/>
-              <a:t>題目</a:t>
-            </a:r>
-            <a:r>
-              <a:rPr lang="en-US" altLang="zh-TW" sz="2400" b="1" dirty="0"/>
-              <a:t>39. </a:t>
-            </a:r>
-            <a:r>
-              <a:rPr lang="zh-TW" altLang="en-US" sz="2400" b="1" dirty="0"/>
-              <a:t>考試測驗</a:t>
-            </a:r>
-            <a:br>
-              <a:rPr lang="zh-TW" altLang="en-US" sz="2400" b="1" dirty="0"/>
-            </a:br>
-            <a:br>
-              <a:rPr lang="zh-TW" altLang="en-US" sz="2400" b="1" dirty="0"/>
-            </a:br>
-            <a:endParaRPr lang="zh-TW" altLang="en-US" sz="2400" b="1" dirty="0"/>
-          </a:p>
-        </p:txBody>
-      </p:sp>
-      <p:graphicFrame>
-        <p:nvGraphicFramePr>
-          <p:cNvPr id="5" name="內容版面配置區 2">
-            <a:extLst>
-              <a:ext uri="{FF2B5EF4-FFF2-40B4-BE49-F238E27FC236}">
-                <a16:creationId xmlns:a16="http://schemas.microsoft.com/office/drawing/2014/main" id="{B79F1320-04D0-4EA3-96DD-9006D69E9172}"/>
-              </a:ext>
-            </a:extLst>
-          </p:cNvPr>
-          <p:cNvGraphicFramePr>
-            <a:graphicFrameLocks noGrp="1"/>
-          </p:cNvGraphicFramePr>
-          <p:nvPr>
-            <p:ph idx="1"/>
-            <p:extLst>
-              <p:ext uri="{D42A27DB-BD31-4B8C-83A1-F6EECF244321}">
-                <p14:modId xmlns:p14="http://schemas.microsoft.com/office/powerpoint/2010/main" val="3184594731"/>
-              </p:ext>
-            </p:extLst>
-          </p:nvPr>
-        </p:nvGraphicFramePr>
-        <p:xfrm>
-          <a:off x="466725" y="765572"/>
-          <a:ext cx="4929188" cy="4191000"/>
-        </p:xfrm>
-        <a:graphic>
-          <a:graphicData uri="http://schemas.openxmlformats.org/drawingml/2006/diagram">
-            <dgm:relIds xmlns:dgm="http://schemas.openxmlformats.org/drawingml/2006/diagram" xmlns:r="http://schemas.openxmlformats.org/officeDocument/2006/relationships" r:dm="rId2" r:lo="rId3" r:qs="rId4" r:cs="rId5"/>
-          </a:graphicData>
-        </a:graphic>
-      </p:graphicFrame>
-    </p:spTree>
-    <p:extLst>
-      <p:ext uri="{BB962C8B-B14F-4D97-AF65-F5344CB8AC3E}">
-        <p14:creationId xmlns:p14="http://schemas.microsoft.com/office/powerpoint/2010/main" val="2402312671"/>
-      </p:ext>
-    </p:extLst>
-  </p:cSld>
-  <p:clrMapOvr>
-    <a:masterClrMapping/>
-  </p:clrMapOvr>
-</p:sld>
-</file>
-
 <file path=ppt/slides/slide9.xml><?xml version="1.0" encoding="utf-8"?>
 <p:sld xmlns:a="http://schemas.openxmlformats.org/drawingml/2006/main" xmlns:r="http://schemas.openxmlformats.org/officeDocument/2006/relationships" xmlns:p="http://schemas.openxmlformats.org/presentationml/2006/main">
   <p:cSld>
@@ -21084,10 +21516,10 @@
       </p:grpSpPr>
       <p:pic>
         <p:nvPicPr>
-          <p:cNvPr id="11" name="圖片 10">
+          <p:cNvPr id="4" name="圖片 3">
             <a:extLst>
               <a:ext uri="{FF2B5EF4-FFF2-40B4-BE49-F238E27FC236}">
-                <a16:creationId xmlns:a16="http://schemas.microsoft.com/office/drawing/2014/main" id="{2AEA7BF9-3B65-8947-B3DA-ADD5F827EE18}"/>
+                <a16:creationId xmlns:a16="http://schemas.microsoft.com/office/drawing/2014/main" id="{2B0426FA-3B05-0C4F-BED5-38E6B4F7A0BE}"/>
               </a:ext>
             </a:extLst>
           </p:cNvPr>
@@ -21104,23 +21536,18 @@
         </p:blipFill>
         <p:spPr>
           <a:xfrm>
-            <a:off x="212039" y="0"/>
-            <a:ext cx="5643435" cy="5715000"/>
+            <a:off x="685994" y="0"/>
+            <a:ext cx="7772012" cy="5715000"/>
           </a:xfrm>
           <a:prstGeom prst="rect">
             <a:avLst/>
           </a:prstGeom>
-          <a:ln>
-            <a:solidFill>
-              <a:schemeClr val="accent1"/>
-            </a:solidFill>
-          </a:ln>
         </p:spPr>
       </p:pic>
     </p:spTree>
     <p:extLst>
       <p:ext uri="{BB962C8B-B14F-4D97-AF65-F5344CB8AC3E}">
-        <p14:creationId xmlns:p14="http://schemas.microsoft.com/office/powerpoint/2010/main" val="3355254503"/>
+        <p14:creationId xmlns:p14="http://schemas.microsoft.com/office/powerpoint/2010/main" val="2542324723"/>
       </p:ext>
     </p:extLst>
   </p:cSld>

--- a/Slide_ITSA_Basics/ITSA Basics_36_40.pptx
+++ b/Slide_ITSA_Basics/ITSA Basics_36_40.pptx
@@ -23,6 +23,7 @@
     <p:sldId id="276" r:id="rId17"/>
     <p:sldId id="277" r:id="rId18"/>
     <p:sldId id="269" r:id="rId19"/>
+    <p:sldId id="278" r:id="rId20"/>
   </p:sldIdLst>
   <p:sldSz cx="9144000" cy="5715000" type="screen16x10"/>
   <p:notesSz cx="6858000" cy="9144000"/>
@@ -16265,7 +16266,7 @@
           <a:p>
             <a:fld id="{F6FA2B21-3FCD-4721-B95C-427943F61125}" type="datetime1">
               <a:rPr lang="en-US" smtClean="0"/>
-              <a:t>8/9/19</a:t>
+              <a:t>8/16/19</a:t>
             </a:fld>
             <a:endParaRPr lang="en-US"/>
           </a:p>
@@ -16445,7 +16446,7 @@
           <a:p>
             <a:fld id="{F6FA2B21-3FCD-4721-B95C-427943F61125}" type="datetime1">
               <a:rPr lang="en-US" smtClean="0"/>
-              <a:t>8/9/19</a:t>
+              <a:t>8/16/19</a:t>
             </a:fld>
             <a:endParaRPr lang="en-US"/>
           </a:p>
@@ -16626,7 +16627,7 @@
           <a:p>
             <a:fld id="{F6FA2B21-3FCD-4721-B95C-427943F61125}" type="datetime1">
               <a:rPr lang="en-US" smtClean="0"/>
-              <a:t>8/9/19</a:t>
+              <a:t>8/16/19</a:t>
             </a:fld>
             <a:endParaRPr lang="en-US"/>
           </a:p>
@@ -16797,7 +16798,7 @@
           <a:p>
             <a:fld id="{F6FA2B21-3FCD-4721-B95C-427943F61125}" type="datetime1">
               <a:rPr lang="en-US" smtClean="0"/>
-              <a:t>8/9/19</a:t>
+              <a:t>8/16/19</a:t>
             </a:fld>
             <a:endParaRPr lang="en-US"/>
           </a:p>
@@ -17119,7 +17120,7 @@
           <a:p>
             <a:fld id="{F6FA2B21-3FCD-4721-B95C-427943F61125}" type="datetime1">
               <a:rPr lang="en-US" smtClean="0"/>
-              <a:t>8/9/19</a:t>
+              <a:t>8/16/19</a:t>
             </a:fld>
             <a:endParaRPr lang="en-US"/>
           </a:p>
@@ -17580,7 +17581,7 @@
           <a:p>
             <a:fld id="{F6FA2B21-3FCD-4721-B95C-427943F61125}" type="datetime1">
               <a:rPr lang="en-US" smtClean="0"/>
-              <a:t>8/9/19</a:t>
+              <a:t>8/16/19</a:t>
             </a:fld>
             <a:endParaRPr lang="en-US"/>
           </a:p>
@@ -17992,7 +17993,7 @@
           <a:p>
             <a:fld id="{F6FA2B21-3FCD-4721-B95C-427943F61125}" type="datetime1">
               <a:rPr lang="en-US" smtClean="0"/>
-              <a:t>8/9/19</a:t>
+              <a:t>8/16/19</a:t>
             </a:fld>
             <a:endParaRPr lang="en-US"/>
           </a:p>
@@ -18111,7 +18112,7 @@
           <a:p>
             <a:fld id="{F6FA2B21-3FCD-4721-B95C-427943F61125}" type="datetime1">
               <a:rPr lang="en-US" smtClean="0"/>
-              <a:t>8/9/19</a:t>
+              <a:t>8/16/19</a:t>
             </a:fld>
             <a:endParaRPr lang="en-US"/>
           </a:p>
@@ -18230,7 +18231,7 @@
           <a:p>
             <a:fld id="{F6FA2B21-3FCD-4721-B95C-427943F61125}" type="datetime1">
               <a:rPr lang="en-US" smtClean="0"/>
-              <a:t>8/9/19</a:t>
+              <a:t>8/16/19</a:t>
             </a:fld>
             <a:endParaRPr lang="en-US"/>
           </a:p>
@@ -18589,7 +18590,7 @@
           <a:p>
             <a:fld id="{F6FA2B21-3FCD-4721-B95C-427943F61125}" type="datetime1">
               <a:rPr lang="en-US" smtClean="0"/>
-              <a:t>8/9/19</a:t>
+              <a:t>8/16/19</a:t>
             </a:fld>
             <a:endParaRPr lang="en-US"/>
           </a:p>
@@ -19097,7 +19098,7 @@
           <a:p>
             <a:fld id="{F6FA2B21-3FCD-4721-B95C-427943F61125}" type="datetime1">
               <a:rPr lang="en-US" smtClean="0"/>
-              <a:t>8/9/19</a:t>
+              <a:t>8/16/19</a:t>
             </a:fld>
             <a:endParaRPr lang="en-US"/>
           </a:p>
@@ -19453,7 +19454,7 @@
           <a:p>
             <a:fld id="{F6FA2B21-3FCD-4721-B95C-427943F61125}" type="datetime1">
               <a:rPr lang="en-US" smtClean="0"/>
-              <a:t>8/9/19</a:t>
+              <a:t>8/16/19</a:t>
             </a:fld>
             <a:endParaRPr lang="en-US"/>
           </a:p>
@@ -20886,6 +20887,133 @@
 </p:sld>
 </file>
 
+<file path=ppt/slides/slide19.xml><?xml version="1.0" encoding="utf-8"?>
+<p:sld xmlns:a="http://schemas.openxmlformats.org/drawingml/2006/main" xmlns:r="http://schemas.openxmlformats.org/officeDocument/2006/relationships" xmlns:p="http://schemas.openxmlformats.org/presentationml/2006/main">
+  <p:cSld>
+    <p:spTree>
+      <p:nvGrpSpPr>
+        <p:cNvPr id="1" name=""/>
+        <p:cNvGrpSpPr/>
+        <p:nvPr/>
+      </p:nvGrpSpPr>
+      <p:grpSpPr>
+        <a:xfrm>
+          <a:off x="0" y="0"/>
+          <a:ext cx="0" cy="0"/>
+          <a:chOff x="0" y="0"/>
+          <a:chExt cx="0" cy="0"/>
+        </a:xfrm>
+      </p:grpSpPr>
+      <p:pic>
+        <p:nvPicPr>
+          <p:cNvPr id="2" name="圖片 1">
+            <a:extLst>
+              <a:ext uri="{FF2B5EF4-FFF2-40B4-BE49-F238E27FC236}">
+                <a16:creationId xmlns:a16="http://schemas.microsoft.com/office/drawing/2014/main" id="{B8936012-EB28-0E45-B30D-CD25DBFE92DE}"/>
+              </a:ext>
+            </a:extLst>
+          </p:cNvPr>
+          <p:cNvPicPr>
+            <a:picLocks noChangeAspect="1"/>
+          </p:cNvPicPr>
+          <p:nvPr/>
+        </p:nvPicPr>
+        <p:blipFill>
+          <a:blip r:embed="rId2"/>
+          <a:stretch>
+            <a:fillRect/>
+          </a:stretch>
+        </p:blipFill>
+        <p:spPr>
+          <a:xfrm>
+            <a:off x="910127" y="1504719"/>
+            <a:ext cx="7323746" cy="3806421"/>
+          </a:xfrm>
+          <a:prstGeom prst="rect">
+            <a:avLst/>
+          </a:prstGeom>
+        </p:spPr>
+      </p:pic>
+      <p:sp>
+        <p:nvSpPr>
+          <p:cNvPr id="3" name="標題 2">
+            <a:extLst>
+              <a:ext uri="{FF2B5EF4-FFF2-40B4-BE49-F238E27FC236}">
+                <a16:creationId xmlns:a16="http://schemas.microsoft.com/office/drawing/2014/main" id="{78942E16-5656-BE41-9920-036E2B69B7BA}"/>
+              </a:ext>
+            </a:extLst>
+          </p:cNvPr>
+          <p:cNvSpPr>
+            <a:spLocks noGrp="1"/>
+          </p:cNvSpPr>
+          <p:nvPr>
+            <p:ph type="title"/>
+          </p:nvPr>
+        </p:nvSpPr>
+        <p:spPr/>
+        <p:txBody>
+          <a:bodyPr/>
+          <a:lstStyle/>
+          <a:p>
+            <a:r>
+              <a:rPr kumimoji="1" lang="en-US" altLang="zh-TW" dirty="0"/>
+              <a:t>ITSA #39</a:t>
+            </a:r>
+            <a:endParaRPr kumimoji="1" lang="zh-TW" altLang="en-US" dirty="0"/>
+          </a:p>
+        </p:txBody>
+      </p:sp>
+      <p:sp>
+        <p:nvSpPr>
+          <p:cNvPr id="4" name="文字方塊 3">
+            <a:extLst>
+              <a:ext uri="{FF2B5EF4-FFF2-40B4-BE49-F238E27FC236}">
+                <a16:creationId xmlns:a16="http://schemas.microsoft.com/office/drawing/2014/main" id="{A546AF16-42D5-2341-8B09-10309B13D962}"/>
+              </a:ext>
+            </a:extLst>
+          </p:cNvPr>
+          <p:cNvSpPr txBox="1"/>
+          <p:nvPr/>
+        </p:nvSpPr>
+        <p:spPr>
+          <a:xfrm>
+            <a:off x="797814" y="219194"/>
+            <a:ext cx="6583725" cy="369332"/>
+          </a:xfrm>
+          <a:prstGeom prst="rect">
+            <a:avLst/>
+          </a:prstGeom>
+          <a:noFill/>
+        </p:spPr>
+        <p:txBody>
+          <a:bodyPr wrap="none" rtlCol="0">
+            <a:spAutoFit/>
+          </a:bodyPr>
+          <a:lstStyle/>
+          <a:p>
+            <a:r>
+              <a:rPr lang="en" altLang="zh-TW" dirty="0">
+                <a:hlinkClick r:id="rId3"/>
+              </a:rPr>
+              <a:t>https://e-tutor.itsa.org.tw/e-Tutor/course/view.php?id=1160</a:t>
+            </a:r>
+            <a:endParaRPr kumimoji="1" lang="zh-TW" altLang="en-US" dirty="0"/>
+          </a:p>
+        </p:txBody>
+      </p:sp>
+    </p:spTree>
+    <p:extLst>
+      <p:ext uri="{BB962C8B-B14F-4D97-AF65-F5344CB8AC3E}">
+        <p14:creationId xmlns:p14="http://schemas.microsoft.com/office/powerpoint/2010/main" val="1198527075"/>
+      </p:ext>
+    </p:extLst>
+  </p:cSld>
+  <p:clrMapOvr>
+    <a:masterClrMapping/>
+  </p:clrMapOvr>
+</p:sld>
+</file>
+
 <file path=ppt/slides/slide2.xml><?xml version="1.0" encoding="utf-8"?>
 <p:sld xmlns:a="http://schemas.openxmlformats.org/drawingml/2006/main" xmlns:r="http://schemas.openxmlformats.org/officeDocument/2006/relationships" xmlns:p="http://schemas.openxmlformats.org/presentationml/2006/main">
   <p:cSld>
